--- a/docs/开题答辩_1912190421-韩敬康.pptx
+++ b/docs/开题答辩_1912190421-韩敬康.pptx
@@ -5,7 +5,7 @@
     <p:sldMasterId id="2147483648" r:id="rId1"/>
   </p:sldMasterIdLst>
   <p:notesMasterIdLst>
-    <p:notesMasterId r:id="rId12"/>
+    <p:notesMasterId r:id="rId13"/>
   </p:notesMasterIdLst>
   <p:sldIdLst>
     <p:sldId id="299" r:id="rId2"/>
@@ -18,6 +18,7 @@
     <p:sldId id="314" r:id="rId9"/>
     <p:sldId id="315" r:id="rId10"/>
     <p:sldId id="307" r:id="rId11"/>
+    <p:sldId id="316" r:id="rId12"/>
   </p:sldIdLst>
   <p:sldSz cx="12195175" cy="6858000"/>
   <p:notesSz cx="6858000" cy="9144000"/>
@@ -222,7 +223,7 @@
           <a:p>
             <a:fld id="{97547A1D-12E5-456D-BF67-C0BDB0A18760}" type="datetimeFigureOut">
               <a:rPr lang="zh-CN" altLang="en-US" smtClean="0"/>
-              <a:t>2023/1/11</a:t>
+              <a:t>2023/3/30</a:t>
             </a:fld>
             <a:endParaRPr lang="zh-CN" altLang="en-US"/>
           </a:p>
@@ -1363,7 +1364,7 @@
           <a:p>
             <a:fld id="{0E08AF93-F015-4E02-9910-15C5CE4FE8B2}" type="datetimeFigureOut">
               <a:rPr lang="zh-CN" altLang="en-US" smtClean="0"/>
-              <a:t>2023/1/11</a:t>
+              <a:t>2023/3/30</a:t>
             </a:fld>
             <a:endParaRPr lang="zh-CN" altLang="en-US"/>
           </a:p>
@@ -2878,7 +2879,7 @@
           <a:p>
             <a:fld id="{0E08AF93-F015-4E02-9910-15C5CE4FE8B2}" type="datetimeFigureOut">
               <a:rPr lang="zh-CN" altLang="en-US" smtClean="0"/>
-              <a:t>2023/1/11</a:t>
+              <a:t>2023/3/30</a:t>
             </a:fld>
             <a:endParaRPr lang="zh-CN" altLang="en-US"/>
           </a:p>
@@ -17408,6 +17409,456 @@
       </p:transition>
     </mc:Fallback>
   </mc:AlternateContent>
+</p:sld>
+</file>
+
+<file path=ppt/slides/slide11.xml><?xml version="1.0" encoding="utf-8"?>
+<p:sld xmlns:a="http://schemas.openxmlformats.org/drawingml/2006/main" xmlns:r="http://schemas.openxmlformats.org/officeDocument/2006/relationships" xmlns:p="http://schemas.openxmlformats.org/presentationml/2006/main">
+  <p:cSld>
+    <p:spTree>
+      <p:nvGrpSpPr>
+        <p:cNvPr id="1" name=""/>
+        <p:cNvGrpSpPr/>
+        <p:nvPr/>
+      </p:nvGrpSpPr>
+      <p:grpSpPr>
+        <a:xfrm>
+          <a:off x="0" y="0"/>
+          <a:ext cx="0" cy="0"/>
+          <a:chOff x="0" y="0"/>
+          <a:chExt cx="0" cy="0"/>
+        </a:xfrm>
+      </p:grpSpPr>
+      <p:sp>
+        <p:nvSpPr>
+          <p:cNvPr id="2" name="矩形 1">
+            <a:extLst>
+              <a:ext uri="{FF2B5EF4-FFF2-40B4-BE49-F238E27FC236}">
+                <a16:creationId xmlns:a16="http://schemas.microsoft.com/office/drawing/2014/main" id="{F3A46791-02E8-CC0E-EB6B-7C3F31730345}"/>
+              </a:ext>
+            </a:extLst>
+          </p:cNvPr>
+          <p:cNvSpPr/>
+          <p:nvPr/>
+        </p:nvSpPr>
+        <p:spPr>
+          <a:xfrm>
+            <a:off x="1345059" y="836712"/>
+            <a:ext cx="9793088" cy="5544616"/>
+          </a:xfrm>
+          <a:prstGeom prst="rect">
+            <a:avLst/>
+          </a:prstGeom>
+          <a:noFill/>
+          <a:ln>
+            <a:solidFill>
+              <a:schemeClr val="bg1"/>
+            </a:solidFill>
+          </a:ln>
+        </p:spPr>
+        <p:style>
+          <a:lnRef idx="2">
+            <a:schemeClr val="accent1">
+              <a:shade val="50000"/>
+            </a:schemeClr>
+          </a:lnRef>
+          <a:fillRef idx="1">
+            <a:schemeClr val="accent1"/>
+          </a:fillRef>
+          <a:effectRef idx="0">
+            <a:schemeClr val="accent1"/>
+          </a:effectRef>
+          <a:fontRef idx="minor">
+            <a:schemeClr val="lt1"/>
+          </a:fontRef>
+        </p:style>
+        <p:txBody>
+          <a:bodyPr rtlCol="0" anchor="ctr"/>
+          <a:lstStyle/>
+          <a:p>
+            <a:pPr algn="ctr"/>
+            <a:endParaRPr lang="zh-CN" altLang="en-US"/>
+          </a:p>
+        </p:txBody>
+      </p:sp>
+      <p:sp>
+        <p:nvSpPr>
+          <p:cNvPr id="3" name="矩形 2">
+            <a:extLst>
+              <a:ext uri="{FF2B5EF4-FFF2-40B4-BE49-F238E27FC236}">
+                <a16:creationId xmlns:a16="http://schemas.microsoft.com/office/drawing/2014/main" id="{1280ABA8-ACD2-4D38-BB89-FEB8DD1F0E9A}"/>
+              </a:ext>
+            </a:extLst>
+          </p:cNvPr>
+          <p:cNvSpPr/>
+          <p:nvPr/>
+        </p:nvSpPr>
+        <p:spPr>
+          <a:xfrm>
+            <a:off x="1201043" y="836712"/>
+            <a:ext cx="10153128" cy="5472608"/>
+          </a:xfrm>
+          <a:prstGeom prst="rect">
+            <a:avLst/>
+          </a:prstGeom>
+          <a:noFill/>
+        </p:spPr>
+        <p:style>
+          <a:lnRef idx="2">
+            <a:schemeClr val="accent1">
+              <a:shade val="50000"/>
+            </a:schemeClr>
+          </a:lnRef>
+          <a:fillRef idx="1">
+            <a:schemeClr val="accent1"/>
+          </a:fillRef>
+          <a:effectRef idx="0">
+            <a:schemeClr val="accent1"/>
+          </a:effectRef>
+          <a:fontRef idx="minor">
+            <a:schemeClr val="lt1"/>
+          </a:fontRef>
+        </p:style>
+        <p:txBody>
+          <a:bodyPr rtlCol="0" anchor="ctr"/>
+          <a:lstStyle/>
+          <a:p>
+            <a:pPr algn="ctr"/>
+            <a:endParaRPr lang="zh-CN" altLang="en-US"/>
+          </a:p>
+        </p:txBody>
+      </p:sp>
+      <p:sp>
+        <p:nvSpPr>
+          <p:cNvPr id="4" name="文本框 3">
+            <a:extLst>
+              <a:ext uri="{FF2B5EF4-FFF2-40B4-BE49-F238E27FC236}">
+                <a16:creationId xmlns:a16="http://schemas.microsoft.com/office/drawing/2014/main" id="{6C3BEABC-C96F-9750-6915-2B787CB8589D}"/>
+              </a:ext>
+            </a:extLst>
+          </p:cNvPr>
+          <p:cNvSpPr txBox="1"/>
+          <p:nvPr/>
+        </p:nvSpPr>
+        <p:spPr>
+          <a:xfrm>
+            <a:off x="4873451" y="980728"/>
+            <a:ext cx="4536504" cy="523220"/>
+          </a:xfrm>
+          <a:prstGeom prst="rect">
+            <a:avLst/>
+          </a:prstGeom>
+          <a:noFill/>
+        </p:spPr>
+        <p:txBody>
+          <a:bodyPr wrap="square" rtlCol="0">
+            <a:spAutoFit/>
+          </a:bodyPr>
+          <a:lstStyle/>
+          <a:p>
+            <a:r>
+              <a:rPr lang="zh-CN" altLang="en-US" sz="2800" b="1" dirty="0"/>
+              <a:t>爬虫性能对比</a:t>
+            </a:r>
+          </a:p>
+        </p:txBody>
+      </p:sp>
+      <p:sp>
+        <p:nvSpPr>
+          <p:cNvPr id="5" name="矩形 4">
+            <a:extLst>
+              <a:ext uri="{FF2B5EF4-FFF2-40B4-BE49-F238E27FC236}">
+                <a16:creationId xmlns:a16="http://schemas.microsoft.com/office/drawing/2014/main" id="{003B094A-03ED-319C-A923-39100ED53FF2}"/>
+              </a:ext>
+            </a:extLst>
+          </p:cNvPr>
+          <p:cNvSpPr/>
+          <p:nvPr/>
+        </p:nvSpPr>
+        <p:spPr>
+          <a:xfrm>
+            <a:off x="2281163" y="1844824"/>
+            <a:ext cx="2880320" cy="1944216"/>
+          </a:xfrm>
+          <a:prstGeom prst="rect">
+            <a:avLst/>
+          </a:prstGeom>
+          <a:solidFill>
+            <a:schemeClr val="bg2">
+              <a:lumMod val="75000"/>
+            </a:schemeClr>
+          </a:solidFill>
+        </p:spPr>
+        <p:style>
+          <a:lnRef idx="2">
+            <a:schemeClr val="accent1">
+              <a:shade val="50000"/>
+            </a:schemeClr>
+          </a:lnRef>
+          <a:fillRef idx="1">
+            <a:schemeClr val="accent1"/>
+          </a:fillRef>
+          <a:effectRef idx="0">
+            <a:schemeClr val="accent1"/>
+          </a:effectRef>
+          <a:fontRef idx="minor">
+            <a:schemeClr val="lt1"/>
+          </a:fontRef>
+        </p:style>
+        <p:txBody>
+          <a:bodyPr rtlCol="0" anchor="ctr"/>
+          <a:lstStyle/>
+          <a:p>
+            <a:pPr algn="ctr"/>
+            <a:endParaRPr lang="zh-CN" altLang="en-US"/>
+          </a:p>
+        </p:txBody>
+      </p:sp>
+      <p:sp>
+        <p:nvSpPr>
+          <p:cNvPr id="6" name="矩形 5">
+            <a:extLst>
+              <a:ext uri="{FF2B5EF4-FFF2-40B4-BE49-F238E27FC236}">
+                <a16:creationId xmlns:a16="http://schemas.microsoft.com/office/drawing/2014/main" id="{83194A83-4C54-8D2F-D29F-6D9CC72FDABE}"/>
+              </a:ext>
+            </a:extLst>
+          </p:cNvPr>
+          <p:cNvSpPr/>
+          <p:nvPr/>
+        </p:nvSpPr>
+        <p:spPr>
+          <a:xfrm>
+            <a:off x="7137104" y="1839848"/>
+            <a:ext cx="2880320" cy="1944216"/>
+          </a:xfrm>
+          <a:prstGeom prst="rect">
+            <a:avLst/>
+          </a:prstGeom>
+          <a:solidFill>
+            <a:schemeClr val="bg2">
+              <a:lumMod val="75000"/>
+            </a:schemeClr>
+          </a:solidFill>
+        </p:spPr>
+        <p:style>
+          <a:lnRef idx="2">
+            <a:schemeClr val="accent1">
+              <a:shade val="50000"/>
+            </a:schemeClr>
+          </a:lnRef>
+          <a:fillRef idx="1">
+            <a:schemeClr val="accent1"/>
+          </a:fillRef>
+          <a:effectRef idx="0">
+            <a:schemeClr val="accent1"/>
+          </a:effectRef>
+          <a:fontRef idx="minor">
+            <a:schemeClr val="lt1"/>
+          </a:fontRef>
+        </p:style>
+        <p:txBody>
+          <a:bodyPr rtlCol="0" anchor="ctr"/>
+          <a:lstStyle/>
+          <a:p>
+            <a:pPr algn="ctr"/>
+            <a:endParaRPr lang="zh-CN" altLang="en-US"/>
+          </a:p>
+        </p:txBody>
+      </p:sp>
+      <p:sp>
+        <p:nvSpPr>
+          <p:cNvPr id="7" name="文本框 6">
+            <a:extLst>
+              <a:ext uri="{FF2B5EF4-FFF2-40B4-BE49-F238E27FC236}">
+                <a16:creationId xmlns:a16="http://schemas.microsoft.com/office/drawing/2014/main" id="{60CEE2BE-BF2C-0DD3-8CF2-FD64E36AFC3B}"/>
+              </a:ext>
+            </a:extLst>
+          </p:cNvPr>
+          <p:cNvSpPr txBox="1"/>
+          <p:nvPr/>
+        </p:nvSpPr>
+        <p:spPr>
+          <a:xfrm>
+            <a:off x="2929235" y="2492896"/>
+            <a:ext cx="1584176" cy="369332"/>
+          </a:xfrm>
+          <a:prstGeom prst="rect">
+            <a:avLst/>
+          </a:prstGeom>
+          <a:noFill/>
+        </p:spPr>
+        <p:txBody>
+          <a:bodyPr wrap="square" rtlCol="0">
+            <a:spAutoFit/>
+          </a:bodyPr>
+          <a:lstStyle/>
+          <a:p>
+            <a:r>
+              <a:rPr lang="zh-CN" altLang="en-US" dirty="0"/>
+              <a:t>图表：爬虫一</a:t>
+            </a:r>
+          </a:p>
+        </p:txBody>
+      </p:sp>
+      <p:sp>
+        <p:nvSpPr>
+          <p:cNvPr id="9" name="矩形 8">
+            <a:extLst>
+              <a:ext uri="{FF2B5EF4-FFF2-40B4-BE49-F238E27FC236}">
+                <a16:creationId xmlns:a16="http://schemas.microsoft.com/office/drawing/2014/main" id="{D50CD982-5E2C-7487-64B5-EFCE6015CB1E}"/>
+              </a:ext>
+            </a:extLst>
+          </p:cNvPr>
+          <p:cNvSpPr/>
+          <p:nvPr/>
+        </p:nvSpPr>
+        <p:spPr>
+          <a:xfrm>
+            <a:off x="3505299" y="4653136"/>
+            <a:ext cx="2448272" cy="720080"/>
+          </a:xfrm>
+          <a:prstGeom prst="rect">
+            <a:avLst/>
+          </a:prstGeom>
+        </p:spPr>
+        <p:style>
+          <a:lnRef idx="2">
+            <a:schemeClr val="accent5">
+              <a:shade val="50000"/>
+            </a:schemeClr>
+          </a:lnRef>
+          <a:fillRef idx="1">
+            <a:schemeClr val="accent5"/>
+          </a:fillRef>
+          <a:effectRef idx="0">
+            <a:schemeClr val="accent5"/>
+          </a:effectRef>
+          <a:fontRef idx="minor">
+            <a:schemeClr val="lt1"/>
+          </a:fontRef>
+        </p:style>
+        <p:txBody>
+          <a:bodyPr rtlCol="0" anchor="ctr"/>
+          <a:lstStyle/>
+          <a:p>
+            <a:pPr algn="ctr"/>
+            <a:r>
+              <a:rPr lang="zh-CN" altLang="en-US" dirty="0"/>
+              <a:t>按钮</a:t>
+            </a:r>
+            <a:r>
+              <a:rPr lang="en-US" altLang="zh-CN" dirty="0"/>
+              <a:t>1</a:t>
+            </a:r>
+            <a:r>
+              <a:rPr lang="zh-CN" altLang="en-US" dirty="0"/>
+              <a:t>：开始爬虫</a:t>
+            </a:r>
+          </a:p>
+        </p:txBody>
+      </p:sp>
+      <p:sp>
+        <p:nvSpPr>
+          <p:cNvPr id="10" name="矩形 9">
+            <a:extLst>
+              <a:ext uri="{FF2B5EF4-FFF2-40B4-BE49-F238E27FC236}">
+                <a16:creationId xmlns:a16="http://schemas.microsoft.com/office/drawing/2014/main" id="{D6793614-DD83-F4D6-A208-D20E4C668B7E}"/>
+              </a:ext>
+            </a:extLst>
+          </p:cNvPr>
+          <p:cNvSpPr/>
+          <p:nvPr/>
+        </p:nvSpPr>
+        <p:spPr>
+          <a:xfrm>
+            <a:off x="6128992" y="4653136"/>
+            <a:ext cx="2448272" cy="720080"/>
+          </a:xfrm>
+          <a:prstGeom prst="rect">
+            <a:avLst/>
+          </a:prstGeom>
+        </p:spPr>
+        <p:style>
+          <a:lnRef idx="2">
+            <a:schemeClr val="accent5">
+              <a:shade val="50000"/>
+            </a:schemeClr>
+          </a:lnRef>
+          <a:fillRef idx="1">
+            <a:schemeClr val="accent5"/>
+          </a:fillRef>
+          <a:effectRef idx="0">
+            <a:schemeClr val="accent5"/>
+          </a:effectRef>
+          <a:fontRef idx="minor">
+            <a:schemeClr val="lt1"/>
+          </a:fontRef>
+        </p:style>
+        <p:txBody>
+          <a:bodyPr rtlCol="0" anchor="ctr"/>
+          <a:lstStyle/>
+          <a:p>
+            <a:pPr algn="ctr"/>
+            <a:r>
+              <a:rPr lang="zh-CN" altLang="en-US" dirty="0"/>
+              <a:t>按钮</a:t>
+            </a:r>
+            <a:r>
+              <a:rPr lang="en-US" altLang="zh-CN" dirty="0"/>
+              <a:t>2</a:t>
+            </a:r>
+            <a:r>
+              <a:rPr lang="zh-CN" altLang="en-US" dirty="0"/>
+              <a:t>：停止爬虫</a:t>
+            </a:r>
+          </a:p>
+        </p:txBody>
+      </p:sp>
+      <p:sp>
+        <p:nvSpPr>
+          <p:cNvPr id="11" name="文本框 10">
+            <a:extLst>
+              <a:ext uri="{FF2B5EF4-FFF2-40B4-BE49-F238E27FC236}">
+                <a16:creationId xmlns:a16="http://schemas.microsoft.com/office/drawing/2014/main" id="{996D6667-9AB5-EE93-105D-49DE109FB83A}"/>
+              </a:ext>
+            </a:extLst>
+          </p:cNvPr>
+          <p:cNvSpPr txBox="1"/>
+          <p:nvPr/>
+        </p:nvSpPr>
+        <p:spPr>
+          <a:xfrm>
+            <a:off x="7969795" y="2545659"/>
+            <a:ext cx="1584176" cy="369332"/>
+          </a:xfrm>
+          <a:prstGeom prst="rect">
+            <a:avLst/>
+          </a:prstGeom>
+          <a:noFill/>
+        </p:spPr>
+        <p:txBody>
+          <a:bodyPr wrap="square" rtlCol="0">
+            <a:spAutoFit/>
+          </a:bodyPr>
+          <a:lstStyle/>
+          <a:p>
+            <a:r>
+              <a:rPr lang="zh-CN" altLang="en-US" dirty="0"/>
+              <a:t>图表：爬虫二</a:t>
+            </a:r>
+          </a:p>
+        </p:txBody>
+      </p:sp>
+    </p:spTree>
+    <p:extLst>
+      <p:ext uri="{BB962C8B-B14F-4D97-AF65-F5344CB8AC3E}">
+        <p14:creationId xmlns:p14="http://schemas.microsoft.com/office/powerpoint/2010/main" val="2755106099"/>
+      </p:ext>
+    </p:extLst>
+  </p:cSld>
+  <p:clrMapOvr>
+    <a:masterClrMapping/>
+  </p:clrMapOvr>
 </p:sld>
 </file>
 
